--- a/Vukasin Popovic Prezentacije/Vukasin Popovic PyTorch Tema 2.pptx
+++ b/Vukasin Popovic Prezentacije/Vukasin Popovic PyTorch Tema 2.pptx
@@ -9,23 +9,15 @@
     <p:sldId id="257" r:id="rId3"/>
     <p:sldId id="258" r:id="rId4"/>
     <p:sldId id="259" r:id="rId5"/>
-    <p:sldId id="260" r:id="rId6"/>
-    <p:sldId id="261" r:id="rId7"/>
-    <p:sldId id="262" r:id="rId8"/>
-    <p:sldId id="263" r:id="rId9"/>
-    <p:sldId id="264" r:id="rId10"/>
-    <p:sldId id="265" r:id="rId11"/>
-    <p:sldId id="266" r:id="rId12"/>
-    <p:sldId id="267" r:id="rId13"/>
-    <p:sldId id="268" r:id="rId14"/>
-    <p:sldId id="269" r:id="rId15"/>
-    <p:sldId id="270" r:id="rId16"/>
-    <p:sldId id="271" r:id="rId17"/>
-    <p:sldId id="272" r:id="rId18"/>
-    <p:sldId id="273" r:id="rId19"/>
-    <p:sldId id="274" r:id="rId20"/>
-    <p:sldId id="275" r:id="rId21"/>
-    <p:sldId id="276" r:id="rId22"/>
+    <p:sldId id="261" r:id="rId6"/>
+    <p:sldId id="262" r:id="rId7"/>
+    <p:sldId id="263" r:id="rId8"/>
+    <p:sldId id="270" r:id="rId9"/>
+    <p:sldId id="277" r:id="rId10"/>
+    <p:sldId id="273" r:id="rId11"/>
+    <p:sldId id="274" r:id="rId12"/>
+    <p:sldId id="275" r:id="rId13"/>
+    <p:sldId id="276" r:id="rId14"/>
   </p:sldIdLst>
   <p:sldSz cx="12192000" cy="6858000"/>
   <p:notesSz cx="6858000" cy="9144000"/>
@@ -124,6 +116,11 @@
       </a:defRPr>
     </a:lvl9pPr>
   </p:defaultTextStyle>
+  <p:extLst>
+    <p:ext uri="{EFAFB233-063F-42B5-8137-9DF3F51BA10A}">
+      <p15:sldGuideLst xmlns:p15="http://schemas.microsoft.com/office/powerpoint/2012/main"/>
+    </p:ext>
+  </p:extLst>
 </p:presentation>
 </file>
 
@@ -295,7 +292,7 @@
           <a:p>
             <a:fld id="{D05B0792-8DCF-49E3-8199-5C19347ED2C6}" type="datetimeFigureOut">
               <a:rPr lang="en-GB" smtClean="0"/>
-              <a:t>13.01.2026</a:t>
+              <a:t>26/01/2026</a:t>
             </a:fld>
             <a:endParaRPr lang="en-GB"/>
           </a:p>
@@ -523,7 +520,7 @@
           <a:p>
             <a:fld id="{D05B0792-8DCF-49E3-8199-5C19347ED2C6}" type="datetimeFigureOut">
               <a:rPr lang="en-GB" smtClean="0"/>
-              <a:t>13.01.2026</a:t>
+              <a:t>26/01/2026</a:t>
             </a:fld>
             <a:endParaRPr lang="en-GB"/>
           </a:p>
@@ -703,7 +700,7 @@
           <a:p>
             <a:fld id="{D05B0792-8DCF-49E3-8199-5C19347ED2C6}" type="datetimeFigureOut">
               <a:rPr lang="en-GB" smtClean="0"/>
-              <a:t>13.01.2026</a:t>
+              <a:t>26/01/2026</a:t>
             </a:fld>
             <a:endParaRPr lang="en-GB"/>
           </a:p>
@@ -873,7 +870,7 @@
           <a:p>
             <a:fld id="{D05B0792-8DCF-49E3-8199-5C19347ED2C6}" type="datetimeFigureOut">
               <a:rPr lang="en-GB" smtClean="0"/>
-              <a:t>13.01.2026</a:t>
+              <a:t>26/01/2026</a:t>
             </a:fld>
             <a:endParaRPr lang="en-GB"/>
           </a:p>
@@ -1127,7 +1124,7 @@
           <a:p>
             <a:fld id="{D05B0792-8DCF-49E3-8199-5C19347ED2C6}" type="datetimeFigureOut">
               <a:rPr lang="en-GB" smtClean="0"/>
-              <a:t>13.01.2026</a:t>
+              <a:t>26/01/2026</a:t>
             </a:fld>
             <a:endParaRPr lang="en-GB"/>
           </a:p>
@@ -1453,7 +1450,7 @@
           <a:p>
             <a:fld id="{D05B0792-8DCF-49E3-8199-5C19347ED2C6}" type="datetimeFigureOut">
               <a:rPr lang="en-GB" smtClean="0"/>
-              <a:t>13.01.2026</a:t>
+              <a:t>26/01/2026</a:t>
             </a:fld>
             <a:endParaRPr lang="en-GB"/>
           </a:p>
@@ -1904,7 +1901,7 @@
           <a:p>
             <a:fld id="{D05B0792-8DCF-49E3-8199-5C19347ED2C6}" type="datetimeFigureOut">
               <a:rPr lang="en-GB" smtClean="0"/>
-              <a:t>13.01.2026</a:t>
+              <a:t>26/01/2026</a:t>
             </a:fld>
             <a:endParaRPr lang="en-GB"/>
           </a:p>
@@ -2022,7 +2019,7 @@
           <a:p>
             <a:fld id="{D05B0792-8DCF-49E3-8199-5C19347ED2C6}" type="datetimeFigureOut">
               <a:rPr lang="en-GB" smtClean="0"/>
-              <a:t>13.01.2026</a:t>
+              <a:t>26/01/2026</a:t>
             </a:fld>
             <a:endParaRPr lang="en-GB"/>
           </a:p>
@@ -2117,7 +2114,7 @@
           <a:p>
             <a:fld id="{D05B0792-8DCF-49E3-8199-5C19347ED2C6}" type="datetimeFigureOut">
               <a:rPr lang="en-GB" smtClean="0"/>
-              <a:t>13.01.2026</a:t>
+              <a:t>26/01/2026</a:t>
             </a:fld>
             <a:endParaRPr lang="en-GB"/>
           </a:p>
@@ -2404,7 +2401,7 @@
           <a:p>
             <a:fld id="{D05B0792-8DCF-49E3-8199-5C19347ED2C6}" type="datetimeFigureOut">
               <a:rPr lang="en-GB" smtClean="0"/>
-              <a:t>13.01.2026</a:t>
+              <a:t>26/01/2026</a:t>
             </a:fld>
             <a:endParaRPr lang="en-GB"/>
           </a:p>
@@ -2725,7 +2722,7 @@
           <a:p>
             <a:fld id="{D05B0792-8DCF-49E3-8199-5C19347ED2C6}" type="datetimeFigureOut">
               <a:rPr lang="en-GB" smtClean="0"/>
-              <a:t>13.01.2026</a:t>
+              <a:t>26/01/2026</a:t>
             </a:fld>
             <a:endParaRPr lang="en-GB"/>
           </a:p>
@@ -2979,7 +2976,7 @@
           <a:p>
             <a:fld id="{D05B0792-8DCF-49E3-8199-5C19347ED2C6}" type="datetimeFigureOut">
               <a:rPr lang="en-GB" smtClean="0"/>
-              <a:t>13.01.2026</a:t>
+              <a:t>26/01/2026</a:t>
             </a:fld>
             <a:endParaRPr lang="en-GB"/>
           </a:p>
@@ -3847,7 +3844,7 @@
           <p:cNvPr id="2" name="Title 1">
             <a:extLst>
               <a:ext uri="{FF2B5EF4-FFF2-40B4-BE49-F238E27FC236}">
-                <a16:creationId xmlns:a16="http://schemas.microsoft.com/office/drawing/2014/main" id="{DA4C0CD5-4C86-27D2-74D5-BC1C1C6686E3}"/>
+                <a16:creationId xmlns:a16="http://schemas.microsoft.com/office/drawing/2014/main" id="{71FE9DBE-BC2F-C35F-3B6B-F731956AEAC5}"/>
               </a:ext>
             </a:extLst>
           </p:cNvPr>
@@ -3865,7 +3862,7 @@
           <a:p>
             <a:r>
               <a:rPr lang="en-GB"/>
-              <a:t>TorchVision (Computer Vision)</a:t>
+              <a:t>Koraci treniranja modela</a:t>
             </a:r>
           </a:p>
         </p:txBody>
@@ -3875,7 +3872,7 @@
           <p:cNvPr id="3" name="Content Placeholder 2">
             <a:extLst>
               <a:ext uri="{FF2B5EF4-FFF2-40B4-BE49-F238E27FC236}">
-                <a16:creationId xmlns:a16="http://schemas.microsoft.com/office/drawing/2014/main" id="{E0E8FF6F-C0B1-CE77-D437-D881204AF71B}"/>
+                <a16:creationId xmlns:a16="http://schemas.microsoft.com/office/drawing/2014/main" id="{458D0F8D-18B8-4B84-7891-B37DBC05DE87}"/>
               </a:ext>
             </a:extLst>
           </p:cNvPr>
@@ -3893,46 +3890,68 @@
           </a:bodyPr>
           <a:lstStyle/>
           <a:p>
-            <a:r>
-              <a:rPr lang="sv-SE" sz="2400"/>
-              <a:t>TorchVision je modul namenjen radu sa slikama i video zapisima.</a:t>
-            </a:r>
-          </a:p>
-          <a:p>
-            <a:r>
-              <a:rPr lang="sv-SE" sz="2400"/>
-              <a:t>Sadrži:</a:t>
-            </a:r>
-          </a:p>
-          <a:p>
-            <a:pPr lvl="1"/>
+            <a:pPr marL="342900" indent="-342900">
+              <a:buFont typeface="+mj-lt"/>
+              <a:buAutoNum type="arabicPeriod"/>
+            </a:pPr>
             <a:r>
               <a:rPr lang="en-GB" sz="2400"/>
-              <a:t>popularne CV modele (ResNet, VGG, MobileNet)</a:t>
-            </a:r>
-            <a:endParaRPr lang="sv-SE" sz="2400"/>
-          </a:p>
-          <a:p>
-            <a:pPr lvl="1"/>
+              <a:t>Definisanje modela</a:t>
+            </a:r>
+          </a:p>
+          <a:p>
+            <a:pPr marL="342900" indent="-342900">
+              <a:buFont typeface="+mj-lt"/>
+              <a:buAutoNum type="arabicPeriod"/>
+            </a:pPr>
             <a:r>
               <a:rPr lang="en-GB" sz="2400"/>
-              <a:t>dataset-e (CIFAR-10, ImageNet)</a:t>
-            </a:r>
-            <a:endParaRPr lang="sv-SE" sz="2400"/>
-          </a:p>
-          <a:p>
-            <a:pPr lvl="1"/>
+              <a:t>Izbor loss funkcije</a:t>
+            </a:r>
+          </a:p>
+          <a:p>
+            <a:pPr marL="342900" indent="-342900">
+              <a:buFont typeface="+mj-lt"/>
+              <a:buAutoNum type="arabicPeriod"/>
+            </a:pPr>
             <a:r>
               <a:rPr lang="en-GB" sz="2400"/>
-              <a:t>transformacije slika (resize, normalize)</a:t>
-            </a:r>
+              <a:t>Izbor optimizatora</a:t>
+            </a:r>
+          </a:p>
+          <a:p>
+            <a:pPr marL="342900" indent="-342900">
+              <a:buFont typeface="+mj-lt"/>
+              <a:buAutoNum type="arabicPeriod"/>
+            </a:pPr>
+            <a:r>
+              <a:rPr lang="en-GB" sz="2400"/>
+              <a:t>Treniranje na podacima</a:t>
+            </a:r>
+          </a:p>
+          <a:p>
+            <a:pPr marL="342900" indent="-342900">
+              <a:buFont typeface="+mj-lt"/>
+              <a:buAutoNum type="arabicPeriod"/>
+            </a:pPr>
+            <a:r>
+              <a:rPr lang="en-GB" sz="2400"/>
+              <a:t>Evaluacija rezultata</a:t>
+            </a:r>
+          </a:p>
+          <a:p>
+            <a:r>
+              <a:rPr lang="pl-PL" sz="2400"/>
+              <a:t>Ovaj proces je jasan i čitljiv u PyTorch-u.</a:t>
+            </a:r>
+            <a:endParaRPr lang="en-GB" sz="2400"/>
           </a:p>
         </p:txBody>
       </p:sp>
     </p:spTree>
     <p:extLst>
       <p:ext uri="{BB962C8B-B14F-4D97-AF65-F5344CB8AC3E}">
-        <p14:creationId xmlns:p14="http://schemas.microsoft.com/office/powerpoint/2010/main" val="380387353"/>
+        <p14:creationId xmlns:p14="http://schemas.microsoft.com/office/powerpoint/2010/main" val="4236086827"/>
       </p:ext>
     </p:extLst>
   </p:cSld>
@@ -3964,7 +3983,7 @@
           <p:cNvPr id="2" name="Title 1">
             <a:extLst>
               <a:ext uri="{FF2B5EF4-FFF2-40B4-BE49-F238E27FC236}">
-                <a16:creationId xmlns:a16="http://schemas.microsoft.com/office/drawing/2014/main" id="{298245BD-46E6-4CE2-4F09-A4A7AA1FFC2A}"/>
+                <a16:creationId xmlns:a16="http://schemas.microsoft.com/office/drawing/2014/main" id="{4EA9815A-EEE8-B54B-4A69-65EEE9A489C7}"/>
               </a:ext>
             </a:extLst>
           </p:cNvPr>
@@ -3982,7 +4001,7 @@
           <a:p>
             <a:r>
               <a:rPr lang="en-GB"/>
-              <a:t>TorchText (NLP)</a:t>
+              <a:t>Prednosti i ograničenja</a:t>
             </a:r>
           </a:p>
         </p:txBody>
@@ -3992,7 +4011,7 @@
           <p:cNvPr id="3" name="Content Placeholder 2">
             <a:extLst>
               <a:ext uri="{FF2B5EF4-FFF2-40B4-BE49-F238E27FC236}">
-                <a16:creationId xmlns:a16="http://schemas.microsoft.com/office/drawing/2014/main" id="{05C915AE-B8A0-09D4-7BEC-E2201E091CA8}"/>
+                <a16:creationId xmlns:a16="http://schemas.microsoft.com/office/drawing/2014/main" id="{587D8A7A-40B8-A358-781D-B36A77E7EAEA}"/>
               </a:ext>
             </a:extLst>
           </p:cNvPr>
@@ -4011,59 +4030,67 @@
           <a:lstStyle/>
           <a:p>
             <a:r>
+              <a:rPr lang="en-GB" sz="2400"/>
+              <a:t>Prednosti:</a:t>
+            </a:r>
+          </a:p>
+          <a:p>
+            <a:pPr lvl="1"/>
+            <a:r>
+              <a:rPr lang="en-GB" sz="2400"/>
+              <a:t>Fleksibilnost</a:t>
+            </a:r>
+          </a:p>
+          <a:p>
+            <a:pPr lvl="1"/>
+            <a:r>
+              <a:rPr lang="sr-Latn-RS" sz="2400"/>
+              <a:t>Č</a:t>
+            </a:r>
+            <a:r>
+              <a:rPr lang="en-GB" sz="2400"/>
+              <a:t>itljiv kod</a:t>
+            </a:r>
+          </a:p>
+          <a:p>
+            <a:pPr lvl="1"/>
+            <a:r>
+              <a:rPr lang="sr-Latn-RS" sz="2400"/>
+              <a:t>J</a:t>
+            </a:r>
+            <a:r>
+              <a:rPr lang="en-GB" sz="2400"/>
+              <a:t>aka zajednica</a:t>
+            </a:r>
+          </a:p>
+          <a:p>
+            <a:r>
+              <a:rPr lang="en-GB" sz="2400"/>
+              <a:t>Ograničenja:</a:t>
+            </a:r>
+            <a:endParaRPr lang="sr-Latn-RS" sz="2400"/>
+          </a:p>
+          <a:p>
+            <a:pPr lvl="1"/>
+            <a:r>
               <a:rPr lang="pl-PL" sz="2400"/>
-              <a:t>TorchText je alat za obradu tekstualnih podataka.</a:t>
-            </a:r>
-            <a:endParaRPr lang="en-US" sz="2400"/>
-          </a:p>
-          <a:p>
-            <a:r>
-              <a:rPr lang="pl-PL" sz="2400"/>
-              <a:t>Omogućava:</a:t>
-            </a:r>
-            <a:endParaRPr lang="en-US" sz="2400"/>
+              <a:t>nešto slabija produkcijska podrška (ranije)</a:t>
+            </a:r>
+            <a:endParaRPr lang="sr-Latn-RS" sz="2400"/>
           </a:p>
           <a:p>
             <a:pPr lvl="1"/>
             <a:r>
               <a:rPr lang="en-GB" sz="2400"/>
-              <a:t>tokenizaciju teksta</a:t>
-            </a:r>
-            <a:endParaRPr lang="en-US" sz="2400"/>
-          </a:p>
-          <a:p>
-            <a:pPr lvl="1"/>
-            <a:r>
-              <a:rPr lang="en-GB" sz="2400"/>
-              <a:t>rad sa rečnicima i embedding-ovima</a:t>
-            </a:r>
-            <a:endParaRPr lang="en-US" sz="2400"/>
-          </a:p>
-          <a:p>
-            <a:pPr lvl="1"/>
-            <a:r>
-              <a:rPr lang="pl-PL" sz="2400"/>
-              <a:t>pripremu podataka za NLP modele</a:t>
-            </a:r>
-            <a:endParaRPr lang="en-US" sz="2400"/>
-          </a:p>
-          <a:p>
-            <a:pPr lvl="1"/>
-            <a:endParaRPr lang="en-GB" sz="2400"/>
-          </a:p>
-          <a:p>
-            <a:r>
-              <a:rPr lang="it-IT" sz="2400"/>
-              <a:t>Koristi se u analizi teksta, sentiment analizi i prevodu.</a:t>
-            </a:r>
-            <a:endParaRPr lang="en-GB" sz="2400"/>
+              <a:t>veća potrošnja memorije u nekim slučajevima</a:t>
+            </a:r>
           </a:p>
         </p:txBody>
       </p:sp>
     </p:spTree>
     <p:extLst>
       <p:ext uri="{BB962C8B-B14F-4D97-AF65-F5344CB8AC3E}">
-        <p14:creationId xmlns:p14="http://schemas.microsoft.com/office/powerpoint/2010/main" val="2098747330"/>
+        <p14:creationId xmlns:p14="http://schemas.microsoft.com/office/powerpoint/2010/main" val="3759438774"/>
       </p:ext>
     </p:extLst>
   </p:cSld>
@@ -4095,7 +4122,7 @@
           <p:cNvPr id="2" name="Title 1">
             <a:extLst>
               <a:ext uri="{FF2B5EF4-FFF2-40B4-BE49-F238E27FC236}">
-                <a16:creationId xmlns:a16="http://schemas.microsoft.com/office/drawing/2014/main" id="{314E6DC2-0813-501D-4A0F-31C815485202}"/>
+                <a16:creationId xmlns:a16="http://schemas.microsoft.com/office/drawing/2014/main" id="{DA7C6D56-A459-9DD6-C24F-2C9E1FA2F86E}"/>
               </a:ext>
             </a:extLst>
           </p:cNvPr>
@@ -4113,7 +4140,7 @@
           <a:p>
             <a:r>
               <a:rPr lang="en-GB"/>
-              <a:t>TorchAudio</a:t>
+              <a:t>Zaključak</a:t>
             </a:r>
           </a:p>
         </p:txBody>
@@ -4123,7 +4150,7 @@
           <p:cNvPr id="3" name="Content Placeholder 2">
             <a:extLst>
               <a:ext uri="{FF2B5EF4-FFF2-40B4-BE49-F238E27FC236}">
-                <a16:creationId xmlns:a16="http://schemas.microsoft.com/office/drawing/2014/main" id="{E2B32236-4306-2BA3-AC3A-DE2BF967A2CC}"/>
+                <a16:creationId xmlns:a16="http://schemas.microsoft.com/office/drawing/2014/main" id="{F12CAFF4-F9DE-D853-B8FF-B8252CEC2941}"/>
               </a:ext>
             </a:extLst>
           </p:cNvPr>
@@ -4143,49 +4170,47 @@
           <a:p>
             <a:r>
               <a:rPr lang="pl-PL" sz="2400"/>
-              <a:t>TorchAudio je modul za obradu zvuka.</a:t>
-            </a:r>
-            <a:endParaRPr lang="en-US" sz="2400"/>
+              <a:t>PyTorch je moćna i fleksibilna biblioteka za AI i Deep Learning.</a:t>
+            </a:r>
           </a:p>
           <a:p>
             <a:r>
               <a:rPr lang="pl-PL" sz="2400"/>
-              <a:t>Podržava:</a:t>
-            </a:r>
-            <a:endParaRPr lang="en-US" sz="2400"/>
+              <a:t>Posebno je pogodna za:</a:t>
+            </a:r>
           </a:p>
           <a:p>
             <a:pPr lvl="1"/>
             <a:r>
               <a:rPr lang="en-GB" sz="2400"/>
-              <a:t>učitavanje audio signala</a:t>
-            </a:r>
-            <a:endParaRPr lang="en-US" sz="2400"/>
+              <a:t>Istraživanje</a:t>
+            </a:r>
+            <a:endParaRPr lang="pl-PL" sz="2400"/>
           </a:p>
           <a:p>
             <a:pPr lvl="1"/>
             <a:r>
               <a:rPr lang="en-GB" sz="2400"/>
-              <a:t>transformacije (spectrogram, MFCC)</a:t>
-            </a:r>
-            <a:endParaRPr lang="en-US" sz="2400"/>
+              <a:t>Učenje</a:t>
+            </a:r>
+            <a:endParaRPr lang="pl-PL" sz="2400"/>
           </a:p>
           <a:p>
             <a:pPr lvl="1"/>
             <a:r>
+              <a:rPr lang="sr-Latn-RS" sz="2400"/>
+              <a:t>B</a:t>
+            </a:r>
+            <a:r>
               <a:rPr lang="en-GB" sz="2400"/>
-              <a:t>modele za prepoznavanje govora</a:t>
-            </a:r>
-            <a:endParaRPr lang="en-US" sz="2400"/>
-          </a:p>
-          <a:p>
-            <a:pPr lvl="1"/>
-            <a:endParaRPr lang="en-US" sz="2400"/>
+              <a:t>rzu izradu prototipa</a:t>
+            </a:r>
+            <a:endParaRPr lang="pl-PL" sz="2400"/>
           </a:p>
           <a:p>
             <a:r>
               <a:rPr lang="en-GB" sz="2400"/>
-              <a:t>Koristi se u speech recognition sistemima.</a:t>
+              <a:t>Zbog svoje jednostavnosti i ekosistema, PyTorch je danas jedan od standarda u oblasti veštačke inteligencije.</a:t>
             </a:r>
           </a:p>
         </p:txBody>
@@ -4193,7 +4218,7 @@
     </p:spTree>
     <p:extLst>
       <p:ext uri="{BB962C8B-B14F-4D97-AF65-F5344CB8AC3E}">
-        <p14:creationId xmlns:p14="http://schemas.microsoft.com/office/powerpoint/2010/main" val="3864942590"/>
+        <p14:creationId xmlns:p14="http://schemas.microsoft.com/office/powerpoint/2010/main" val="549290673"/>
       </p:ext>
     </p:extLst>
   </p:cSld>
@@ -4225,7 +4250,7 @@
           <p:cNvPr id="2" name="Title 1">
             <a:extLst>
               <a:ext uri="{FF2B5EF4-FFF2-40B4-BE49-F238E27FC236}">
-                <a16:creationId xmlns:a16="http://schemas.microsoft.com/office/drawing/2014/main" id="{97876E85-E00E-D586-DE21-5401B945A829}"/>
+                <a16:creationId xmlns:a16="http://schemas.microsoft.com/office/drawing/2014/main" id="{A9538091-97C3-2BE3-A213-3AE0857169BD}"/>
               </a:ext>
             </a:extLst>
           </p:cNvPr>
@@ -4233,882 +4258,27 @@
             <a:spLocks noGrp="1"/>
           </p:cNvSpPr>
           <p:nvPr>
-            <p:ph type="title"/>
-          </p:nvPr>
-        </p:nvSpPr>
-        <p:spPr/>
-        <p:txBody>
-          <a:bodyPr/>
-          <a:lstStyle/>
-          <a:p>
-            <a:r>
-              <a:rPr lang="en-GB"/>
-              <a:t>PyTorch u Computer Vision-u</a:t>
-            </a:r>
-          </a:p>
-        </p:txBody>
-      </p:sp>
-      <p:sp>
-        <p:nvSpPr>
-          <p:cNvPr id="3" name="Content Placeholder 2">
-            <a:extLst>
-              <a:ext uri="{FF2B5EF4-FFF2-40B4-BE49-F238E27FC236}">
-                <a16:creationId xmlns:a16="http://schemas.microsoft.com/office/drawing/2014/main" id="{CBE0C052-B698-0216-32D9-02C0AC75A02A}"/>
-              </a:ext>
-            </a:extLst>
-          </p:cNvPr>
-          <p:cNvSpPr>
-            <a:spLocks noGrp="1"/>
-          </p:cNvSpPr>
-          <p:nvPr>
-            <p:ph idx="1"/>
-          </p:nvPr>
-        </p:nvSpPr>
-        <p:spPr/>
-        <p:txBody>
-          <a:bodyPr>
-            <a:normAutofit/>
-          </a:bodyPr>
-          <a:lstStyle/>
-          <a:p>
-            <a:r>
-              <a:rPr lang="en-GB" sz="2400"/>
-              <a:t>Primeri primene:</a:t>
-            </a:r>
-          </a:p>
-          <a:p>
-            <a:pPr lvl="1"/>
-            <a:r>
-              <a:rPr lang="en-GB" sz="2400"/>
-              <a:t>prepoznavanje objekata</a:t>
-            </a:r>
-          </a:p>
-          <a:p>
-            <a:pPr lvl="1"/>
-            <a:r>
-              <a:rPr lang="en-GB" sz="2400"/>
-              <a:t>klasifikacija slika</a:t>
-            </a:r>
-          </a:p>
-          <a:p>
-            <a:pPr lvl="1"/>
-            <a:r>
-              <a:rPr lang="en-GB" sz="2400"/>
-              <a:t>segmentacija slike</a:t>
-            </a:r>
-          </a:p>
-          <a:p>
-            <a:pPr lvl="1"/>
-            <a:r>
-              <a:rPr lang="en-GB" sz="2400"/>
-              <a:t>detekcija lica</a:t>
-            </a:r>
-          </a:p>
-          <a:p>
-            <a:r>
-              <a:rPr lang="sv-SE" sz="2400"/>
-              <a:t>PyTorch se često koristi u istraživanju autonomnih vozila i medicinskih slika.</a:t>
-            </a:r>
-            <a:endParaRPr lang="en-GB" sz="2400"/>
+            <p:ph type="ctrTitle"/>
+          </p:nvPr>
+        </p:nvSpPr>
+        <p:spPr/>
+        <p:txBody>
+          <a:bodyPr anchor="ctr"/>
+          <a:lstStyle/>
+          <a:p>
+            <a:pPr algn="ctr"/>
+            <a:r>
+              <a:rPr lang="sr-Latn-RS"/>
+              <a:t>Hvala na pažnji!</a:t>
+            </a:r>
+            <a:endParaRPr lang="en-GB"/>
           </a:p>
         </p:txBody>
       </p:sp>
     </p:spTree>
     <p:extLst>
       <p:ext uri="{BB962C8B-B14F-4D97-AF65-F5344CB8AC3E}">
-        <p14:creationId xmlns:p14="http://schemas.microsoft.com/office/powerpoint/2010/main" val="2676000572"/>
-      </p:ext>
-    </p:extLst>
-  </p:cSld>
-  <p:clrMapOvr>
-    <a:masterClrMapping/>
-  </p:clrMapOvr>
-</p:sld>
-</file>
-
-<file path=ppt/slides/slide14.xml><?xml version="1.0" encoding="utf-8"?>
-<p:sld xmlns:a="http://schemas.openxmlformats.org/drawingml/2006/main" xmlns:r="http://schemas.openxmlformats.org/officeDocument/2006/relationships" xmlns:p="http://schemas.openxmlformats.org/presentationml/2006/main">
-  <p:cSld>
-    <p:spTree>
-      <p:nvGrpSpPr>
-        <p:cNvPr id="1" name=""/>
-        <p:cNvGrpSpPr/>
-        <p:nvPr/>
-      </p:nvGrpSpPr>
-      <p:grpSpPr>
-        <a:xfrm>
-          <a:off x="0" y="0"/>
-          <a:ext cx="0" cy="0"/>
-          <a:chOff x="0" y="0"/>
-          <a:chExt cx="0" cy="0"/>
-        </a:xfrm>
-      </p:grpSpPr>
-      <p:sp>
-        <p:nvSpPr>
-          <p:cNvPr id="2" name="Title 1">
-            <a:extLst>
-              <a:ext uri="{FF2B5EF4-FFF2-40B4-BE49-F238E27FC236}">
-                <a16:creationId xmlns:a16="http://schemas.microsoft.com/office/drawing/2014/main" id="{8E3DF166-7193-DA31-8928-9F6BF204B8C9}"/>
-              </a:ext>
-            </a:extLst>
-          </p:cNvPr>
-          <p:cNvSpPr>
-            <a:spLocks noGrp="1"/>
-          </p:cNvSpPr>
-          <p:nvPr>
-            <p:ph type="title"/>
-          </p:nvPr>
-        </p:nvSpPr>
-        <p:spPr/>
-        <p:txBody>
-          <a:bodyPr/>
-          <a:lstStyle/>
-          <a:p>
-            <a:r>
-              <a:rPr lang="en-GB"/>
-              <a:t>PyTorch u NLP-u</a:t>
-            </a:r>
-          </a:p>
-        </p:txBody>
-      </p:sp>
-      <p:sp>
-        <p:nvSpPr>
-          <p:cNvPr id="3" name="Content Placeholder 2">
-            <a:extLst>
-              <a:ext uri="{FF2B5EF4-FFF2-40B4-BE49-F238E27FC236}">
-                <a16:creationId xmlns:a16="http://schemas.microsoft.com/office/drawing/2014/main" id="{24D9374C-BD28-3E19-2266-B5A364D318C3}"/>
-              </a:ext>
-            </a:extLst>
-          </p:cNvPr>
-          <p:cNvSpPr>
-            <a:spLocks noGrp="1"/>
-          </p:cNvSpPr>
-          <p:nvPr>
-            <p:ph idx="1"/>
-          </p:nvPr>
-        </p:nvSpPr>
-        <p:spPr/>
-        <p:txBody>
-          <a:bodyPr>
-            <a:normAutofit/>
-          </a:bodyPr>
-          <a:lstStyle/>
-          <a:p>
-            <a:r>
-              <a:rPr lang="en-GB" sz="2400"/>
-              <a:t>Primeri primene:</a:t>
-            </a:r>
-          </a:p>
-          <a:p>
-            <a:pPr lvl="1"/>
-            <a:r>
-              <a:rPr lang="en-GB" sz="2400"/>
-              <a:t>analiza sentimenta</a:t>
-            </a:r>
-          </a:p>
-          <a:p>
-            <a:pPr lvl="1"/>
-            <a:r>
-              <a:rPr lang="en-GB" sz="2400"/>
-              <a:t>mašinsko prevođenje</a:t>
-            </a:r>
-          </a:p>
-          <a:p>
-            <a:pPr lvl="1"/>
-            <a:r>
-              <a:rPr lang="en-GB" sz="2400"/>
-              <a:t>chat-bot sistemi</a:t>
-            </a:r>
-          </a:p>
-          <a:p>
-            <a:pPr lvl="1"/>
-            <a:r>
-              <a:rPr lang="en-GB" sz="2400"/>
-              <a:t>obrada prirodnog jezika</a:t>
-            </a:r>
-          </a:p>
-          <a:p>
-            <a:r>
-              <a:rPr lang="en-GB" sz="2400"/>
-              <a:t>PyTorch je osnova mnogih modernih NLP modela (BERT, GPT varijante).</a:t>
-            </a:r>
-          </a:p>
-        </p:txBody>
-      </p:sp>
-    </p:spTree>
-    <p:extLst>
-      <p:ext uri="{BB962C8B-B14F-4D97-AF65-F5344CB8AC3E}">
-        <p14:creationId xmlns:p14="http://schemas.microsoft.com/office/powerpoint/2010/main" val="3732614567"/>
-      </p:ext>
-    </p:extLst>
-  </p:cSld>
-  <p:clrMapOvr>
-    <a:masterClrMapping/>
-  </p:clrMapOvr>
-</p:sld>
-</file>
-
-<file path=ppt/slides/slide15.xml><?xml version="1.0" encoding="utf-8"?>
-<p:sld xmlns:a="http://schemas.openxmlformats.org/drawingml/2006/main" xmlns:r="http://schemas.openxmlformats.org/officeDocument/2006/relationships" xmlns:p="http://schemas.openxmlformats.org/presentationml/2006/main">
-  <p:cSld>
-    <p:spTree>
-      <p:nvGrpSpPr>
-        <p:cNvPr id="1" name=""/>
-        <p:cNvGrpSpPr/>
-        <p:nvPr/>
-      </p:nvGrpSpPr>
-      <p:grpSpPr>
-        <a:xfrm>
-          <a:off x="0" y="0"/>
-          <a:ext cx="0" cy="0"/>
-          <a:chOff x="0" y="0"/>
-          <a:chExt cx="0" cy="0"/>
-        </a:xfrm>
-      </p:grpSpPr>
-      <p:sp>
-        <p:nvSpPr>
-          <p:cNvPr id="2" name="Title 1">
-            <a:extLst>
-              <a:ext uri="{FF2B5EF4-FFF2-40B4-BE49-F238E27FC236}">
-                <a16:creationId xmlns:a16="http://schemas.microsoft.com/office/drawing/2014/main" id="{3628040C-656E-08CF-40FC-7923FEDCA9B4}"/>
-              </a:ext>
-            </a:extLst>
-          </p:cNvPr>
-          <p:cNvSpPr>
-            <a:spLocks noGrp="1"/>
-          </p:cNvSpPr>
-          <p:nvPr>
-            <p:ph type="title"/>
-          </p:nvPr>
-        </p:nvSpPr>
-        <p:spPr/>
-        <p:txBody>
-          <a:bodyPr/>
-          <a:lstStyle/>
-          <a:p>
-            <a:r>
-              <a:rPr lang="en-GB"/>
-              <a:t>Dinamički računarski graf</a:t>
-            </a:r>
-          </a:p>
-        </p:txBody>
-      </p:sp>
-      <p:sp>
-        <p:nvSpPr>
-          <p:cNvPr id="3" name="Content Placeholder 2">
-            <a:extLst>
-              <a:ext uri="{FF2B5EF4-FFF2-40B4-BE49-F238E27FC236}">
-                <a16:creationId xmlns:a16="http://schemas.microsoft.com/office/drawing/2014/main" id="{1C6F8A82-5F0A-31E4-0886-E3D3CE93AD65}"/>
-              </a:ext>
-            </a:extLst>
-          </p:cNvPr>
-          <p:cNvSpPr>
-            <a:spLocks noGrp="1"/>
-          </p:cNvSpPr>
-          <p:nvPr>
-            <p:ph idx="1"/>
-          </p:nvPr>
-        </p:nvSpPr>
-        <p:spPr/>
-        <p:txBody>
-          <a:bodyPr>
-            <a:normAutofit/>
-          </a:bodyPr>
-          <a:lstStyle/>
-          <a:p>
-            <a:r>
-              <a:rPr lang="en-GB" sz="2400"/>
-              <a:t>PyTorch koristi </a:t>
-            </a:r>
-            <a:r>
-              <a:rPr lang="en-GB" sz="2400" b="1"/>
-              <a:t>dinamički graf</a:t>
-            </a:r>
-            <a:r>
-              <a:rPr lang="en-GB" sz="2400"/>
-              <a:t> (define-by-run).</a:t>
-            </a:r>
-          </a:p>
-          <a:p>
-            <a:r>
-              <a:rPr lang="en-GB" sz="2400"/>
-              <a:t>Graf se kreira tokom izvršavanja programa.</a:t>
-            </a:r>
-          </a:p>
-          <a:p>
-            <a:r>
-              <a:rPr lang="en-GB" sz="2400"/>
-              <a:t>To omogućava:</a:t>
-            </a:r>
-          </a:p>
-          <a:p>
-            <a:pPr lvl="1"/>
-            <a:r>
-              <a:rPr lang="en-GB" sz="2400"/>
-              <a:t>lakše eksperimentisanje</a:t>
-            </a:r>
-          </a:p>
-          <a:p>
-            <a:pPr lvl="1"/>
-            <a:r>
-              <a:rPr lang="en-GB" sz="2400"/>
-              <a:t>fleksibilne modele</a:t>
-            </a:r>
-          </a:p>
-          <a:p>
-            <a:pPr lvl="1"/>
-            <a:r>
-              <a:rPr lang="en-GB" sz="2400"/>
-              <a:t>jednostavno debagovanje</a:t>
-            </a:r>
-          </a:p>
-        </p:txBody>
-      </p:sp>
-    </p:spTree>
-    <p:extLst>
-      <p:ext uri="{BB962C8B-B14F-4D97-AF65-F5344CB8AC3E}">
-        <p14:creationId xmlns:p14="http://schemas.microsoft.com/office/powerpoint/2010/main" val="230032610"/>
-      </p:ext>
-    </p:extLst>
-  </p:cSld>
-  <p:clrMapOvr>
-    <a:masterClrMapping/>
-  </p:clrMapOvr>
-</p:sld>
-</file>
-
-<file path=ppt/slides/slide16.xml><?xml version="1.0" encoding="utf-8"?>
-<p:sld xmlns:a="http://schemas.openxmlformats.org/drawingml/2006/main" xmlns:r="http://schemas.openxmlformats.org/officeDocument/2006/relationships" xmlns:p="http://schemas.openxmlformats.org/presentationml/2006/main">
-  <p:cSld>
-    <p:spTree>
-      <p:nvGrpSpPr>
-        <p:cNvPr id="1" name=""/>
-        <p:cNvGrpSpPr/>
-        <p:nvPr/>
-      </p:nvGrpSpPr>
-      <p:grpSpPr>
-        <a:xfrm>
-          <a:off x="0" y="0"/>
-          <a:ext cx="0" cy="0"/>
-          <a:chOff x="0" y="0"/>
-          <a:chExt cx="0" cy="0"/>
-        </a:xfrm>
-      </p:grpSpPr>
-      <p:sp>
-        <p:nvSpPr>
-          <p:cNvPr id="2" name="Title 1">
-            <a:extLst>
-              <a:ext uri="{FF2B5EF4-FFF2-40B4-BE49-F238E27FC236}">
-                <a16:creationId xmlns:a16="http://schemas.microsoft.com/office/drawing/2014/main" id="{5B750EAE-B2A6-26FA-0693-11001E635F49}"/>
-              </a:ext>
-            </a:extLst>
-          </p:cNvPr>
-          <p:cNvSpPr>
-            <a:spLocks noGrp="1"/>
-          </p:cNvSpPr>
-          <p:nvPr>
-            <p:ph type="title"/>
-          </p:nvPr>
-        </p:nvSpPr>
-        <p:spPr/>
-        <p:txBody>
-          <a:bodyPr/>
-          <a:lstStyle/>
-          <a:p>
-            <a:r>
-              <a:rPr lang="en-GB"/>
-              <a:t>PyTorch vs TensorFlow</a:t>
-            </a:r>
-          </a:p>
-        </p:txBody>
-      </p:sp>
-      <p:sp>
-        <p:nvSpPr>
-          <p:cNvPr id="3" name="Content Placeholder 2">
-            <a:extLst>
-              <a:ext uri="{FF2B5EF4-FFF2-40B4-BE49-F238E27FC236}">
-                <a16:creationId xmlns:a16="http://schemas.microsoft.com/office/drawing/2014/main" id="{D2AC6BDB-42B0-2C90-48CB-1477B54C8246}"/>
-              </a:ext>
-            </a:extLst>
-          </p:cNvPr>
-          <p:cNvSpPr>
-            <a:spLocks noGrp="1"/>
-          </p:cNvSpPr>
-          <p:nvPr>
-            <p:ph idx="1"/>
-          </p:nvPr>
-        </p:nvSpPr>
-        <p:spPr/>
-        <p:txBody>
-          <a:bodyPr>
-            <a:normAutofit/>
-          </a:bodyPr>
-          <a:lstStyle/>
-          <a:p>
-            <a:r>
-              <a:rPr lang="en-GB" sz="2400"/>
-              <a:t>PyTorch:</a:t>
-            </a:r>
-          </a:p>
-          <a:p>
-            <a:pPr lvl="1"/>
-            <a:r>
-              <a:rPr lang="en-GB" sz="2400"/>
-              <a:t>dinamički graf</a:t>
-            </a:r>
-          </a:p>
-          <a:p>
-            <a:pPr lvl="1"/>
-            <a:r>
-              <a:rPr lang="en-GB" sz="2400"/>
-              <a:t>jednostavniji za učenje</a:t>
-            </a:r>
-          </a:p>
-          <a:p>
-            <a:pPr lvl="1"/>
-            <a:r>
-              <a:rPr lang="en-GB" sz="2400"/>
-              <a:t>bolji za istraživanje</a:t>
-            </a:r>
-          </a:p>
-          <a:p>
-            <a:r>
-              <a:rPr lang="en-GB" sz="2400"/>
-              <a:t>TensorFlow:</a:t>
-            </a:r>
-          </a:p>
-          <a:p>
-            <a:pPr lvl="1"/>
-            <a:r>
-              <a:rPr lang="en-GB" sz="2400"/>
-              <a:t>statički graf (u početku)</a:t>
-            </a:r>
-          </a:p>
-          <a:p>
-            <a:pPr lvl="1"/>
-            <a:r>
-              <a:rPr lang="en-GB" sz="2400"/>
-              <a:t>češće korišćen u produkciji</a:t>
-            </a:r>
-          </a:p>
-          <a:p>
-            <a:pPr lvl="1"/>
-            <a:r>
-              <a:rPr lang="en-GB" sz="2400"/>
-              <a:t>kompleksniji API</a:t>
-            </a:r>
-          </a:p>
-          <a:p>
-            <a:r>
-              <a:rPr lang="pl-PL" sz="2400"/>
-              <a:t>Danas se razlike smanjuju, ali PyTorch ostaje popularniji u akademiji.</a:t>
-            </a:r>
-            <a:endParaRPr lang="en-GB" sz="2400"/>
-          </a:p>
-        </p:txBody>
-      </p:sp>
-    </p:spTree>
-    <p:extLst>
-      <p:ext uri="{BB962C8B-B14F-4D97-AF65-F5344CB8AC3E}">
-        <p14:creationId xmlns:p14="http://schemas.microsoft.com/office/powerpoint/2010/main" val="1472146705"/>
-      </p:ext>
-    </p:extLst>
-  </p:cSld>
-  <p:clrMapOvr>
-    <a:masterClrMapping/>
-  </p:clrMapOvr>
-</p:sld>
-</file>
-
-<file path=ppt/slides/slide17.xml><?xml version="1.0" encoding="utf-8"?>
-<p:sld xmlns:a="http://schemas.openxmlformats.org/drawingml/2006/main" xmlns:r="http://schemas.openxmlformats.org/officeDocument/2006/relationships" xmlns:p="http://schemas.openxmlformats.org/presentationml/2006/main">
-  <p:cSld>
-    <p:spTree>
-      <p:nvGrpSpPr>
-        <p:cNvPr id="1" name=""/>
-        <p:cNvGrpSpPr/>
-        <p:nvPr/>
-      </p:nvGrpSpPr>
-      <p:grpSpPr>
-        <a:xfrm>
-          <a:off x="0" y="0"/>
-          <a:ext cx="0" cy="0"/>
-          <a:chOff x="0" y="0"/>
-          <a:chExt cx="0" cy="0"/>
-        </a:xfrm>
-      </p:grpSpPr>
-      <p:sp>
-        <p:nvSpPr>
-          <p:cNvPr id="2" name="Title 1">
-            <a:extLst>
-              <a:ext uri="{FF2B5EF4-FFF2-40B4-BE49-F238E27FC236}">
-                <a16:creationId xmlns:a16="http://schemas.microsoft.com/office/drawing/2014/main" id="{6F15849F-5131-47BB-9928-C9BA97F418B1}"/>
-              </a:ext>
-            </a:extLst>
-          </p:cNvPr>
-          <p:cNvSpPr>
-            <a:spLocks noGrp="1"/>
-          </p:cNvSpPr>
-          <p:nvPr>
-            <p:ph type="title"/>
-          </p:nvPr>
-        </p:nvSpPr>
-        <p:spPr/>
-        <p:txBody>
-          <a:bodyPr/>
-          <a:lstStyle/>
-          <a:p>
-            <a:r>
-              <a:rPr lang="en-GB"/>
-              <a:t>Demonstracija jednostavnog modela</a:t>
-            </a:r>
-          </a:p>
-        </p:txBody>
-      </p:sp>
-      <p:sp>
-        <p:nvSpPr>
-          <p:cNvPr id="3" name="Content Placeholder 2">
-            <a:extLst>
-              <a:ext uri="{FF2B5EF4-FFF2-40B4-BE49-F238E27FC236}">
-                <a16:creationId xmlns:a16="http://schemas.microsoft.com/office/drawing/2014/main" id="{851B5AE4-8124-865F-18FD-A5CD7AC99CF6}"/>
-              </a:ext>
-            </a:extLst>
-          </p:cNvPr>
-          <p:cNvSpPr>
-            <a:spLocks noGrp="1"/>
-          </p:cNvSpPr>
-          <p:nvPr>
-            <p:ph idx="1"/>
-          </p:nvPr>
-        </p:nvSpPr>
-        <p:spPr/>
-        <p:txBody>
-          <a:bodyPr>
-            <a:normAutofit/>
-          </a:bodyPr>
-          <a:lstStyle/>
-          <a:p>
-            <a:r>
-              <a:rPr lang="pl-PL" sz="2400"/>
-              <a:t>Jednostavan neural network u PyTorch-u:</a:t>
-            </a:r>
-            <a:endParaRPr lang="en-US" sz="2400"/>
-          </a:p>
-          <a:p>
-            <a:pPr lvl="1"/>
-            <a:r>
-              <a:rPr lang="en-GB" sz="2400"/>
-              <a:t>ulazni sloj</a:t>
-            </a:r>
-            <a:endParaRPr lang="en-US" sz="2400"/>
-          </a:p>
-          <a:p>
-            <a:pPr lvl="1"/>
-            <a:r>
-              <a:rPr lang="en-GB" sz="2400"/>
-              <a:t>skriveni sloj</a:t>
-            </a:r>
-            <a:endParaRPr lang="en-US" sz="2400"/>
-          </a:p>
-          <a:p>
-            <a:pPr lvl="1"/>
-            <a:r>
-              <a:rPr lang="en-GB" sz="2400"/>
-              <a:t>izlazni sloj</a:t>
-            </a:r>
-            <a:endParaRPr lang="en-US" sz="2400"/>
-          </a:p>
-          <a:p>
-            <a:r>
-              <a:rPr lang="it-IT" sz="2400"/>
-              <a:t>Model se definiše pomoću torch.nn.Module.</a:t>
-            </a:r>
-            <a:endParaRPr lang="en-GB" sz="2400"/>
-          </a:p>
-        </p:txBody>
-      </p:sp>
-    </p:spTree>
-    <p:extLst>
-      <p:ext uri="{BB962C8B-B14F-4D97-AF65-F5344CB8AC3E}">
-        <p14:creationId xmlns:p14="http://schemas.microsoft.com/office/powerpoint/2010/main" val="2679871956"/>
-      </p:ext>
-    </p:extLst>
-  </p:cSld>
-  <p:clrMapOvr>
-    <a:masterClrMapping/>
-  </p:clrMapOvr>
-</p:sld>
-</file>
-
-<file path=ppt/slides/slide18.xml><?xml version="1.0" encoding="utf-8"?>
-<p:sld xmlns:a="http://schemas.openxmlformats.org/drawingml/2006/main" xmlns:r="http://schemas.openxmlformats.org/officeDocument/2006/relationships" xmlns:p="http://schemas.openxmlformats.org/presentationml/2006/main">
-  <p:cSld>
-    <p:spTree>
-      <p:nvGrpSpPr>
-        <p:cNvPr id="1" name=""/>
-        <p:cNvGrpSpPr/>
-        <p:nvPr/>
-      </p:nvGrpSpPr>
-      <p:grpSpPr>
-        <a:xfrm>
-          <a:off x="0" y="0"/>
-          <a:ext cx="0" cy="0"/>
-          <a:chOff x="0" y="0"/>
-          <a:chExt cx="0" cy="0"/>
-        </a:xfrm>
-      </p:grpSpPr>
-      <p:sp>
-        <p:nvSpPr>
-          <p:cNvPr id="2" name="Title 1">
-            <a:extLst>
-              <a:ext uri="{FF2B5EF4-FFF2-40B4-BE49-F238E27FC236}">
-                <a16:creationId xmlns:a16="http://schemas.microsoft.com/office/drawing/2014/main" id="{71FE9DBE-BC2F-C35F-3B6B-F731956AEAC5}"/>
-              </a:ext>
-            </a:extLst>
-          </p:cNvPr>
-          <p:cNvSpPr>
-            <a:spLocks noGrp="1"/>
-          </p:cNvSpPr>
-          <p:nvPr>
-            <p:ph type="title"/>
-          </p:nvPr>
-        </p:nvSpPr>
-        <p:spPr/>
-        <p:txBody>
-          <a:bodyPr/>
-          <a:lstStyle/>
-          <a:p>
-            <a:r>
-              <a:rPr lang="en-GB"/>
-              <a:t>Koraci treniranja modela</a:t>
-            </a:r>
-          </a:p>
-        </p:txBody>
-      </p:sp>
-      <p:sp>
-        <p:nvSpPr>
-          <p:cNvPr id="3" name="Content Placeholder 2">
-            <a:extLst>
-              <a:ext uri="{FF2B5EF4-FFF2-40B4-BE49-F238E27FC236}">
-                <a16:creationId xmlns:a16="http://schemas.microsoft.com/office/drawing/2014/main" id="{458D0F8D-18B8-4B84-7891-B37DBC05DE87}"/>
-              </a:ext>
-            </a:extLst>
-          </p:cNvPr>
-          <p:cNvSpPr>
-            <a:spLocks noGrp="1"/>
-          </p:cNvSpPr>
-          <p:nvPr>
-            <p:ph idx="1"/>
-          </p:nvPr>
-        </p:nvSpPr>
-        <p:spPr/>
-        <p:txBody>
-          <a:bodyPr>
-            <a:normAutofit/>
-          </a:bodyPr>
-          <a:lstStyle/>
-          <a:p>
-            <a:pPr marL="342900" indent="-342900">
-              <a:buFont typeface="+mj-lt"/>
-              <a:buAutoNum type="arabicPeriod"/>
-            </a:pPr>
-            <a:r>
-              <a:rPr lang="en-GB" sz="2400"/>
-              <a:t>Definisanje modela</a:t>
-            </a:r>
-          </a:p>
-          <a:p>
-            <a:pPr marL="342900" indent="-342900">
-              <a:buFont typeface="+mj-lt"/>
-              <a:buAutoNum type="arabicPeriod"/>
-            </a:pPr>
-            <a:r>
-              <a:rPr lang="en-GB" sz="2400"/>
-              <a:t>Izbor loss funkcije</a:t>
-            </a:r>
-          </a:p>
-          <a:p>
-            <a:pPr marL="342900" indent="-342900">
-              <a:buFont typeface="+mj-lt"/>
-              <a:buAutoNum type="arabicPeriod"/>
-            </a:pPr>
-            <a:r>
-              <a:rPr lang="en-GB" sz="2400"/>
-              <a:t>Izbor optimizatora</a:t>
-            </a:r>
-          </a:p>
-          <a:p>
-            <a:pPr marL="342900" indent="-342900">
-              <a:buFont typeface="+mj-lt"/>
-              <a:buAutoNum type="arabicPeriod"/>
-            </a:pPr>
-            <a:r>
-              <a:rPr lang="en-GB" sz="2400"/>
-              <a:t>Treniranje na podacima</a:t>
-            </a:r>
-          </a:p>
-          <a:p>
-            <a:pPr marL="342900" indent="-342900">
-              <a:buFont typeface="+mj-lt"/>
-              <a:buAutoNum type="arabicPeriod"/>
-            </a:pPr>
-            <a:r>
-              <a:rPr lang="en-GB" sz="2400"/>
-              <a:t>Evaluacija rezultata</a:t>
-            </a:r>
-          </a:p>
-          <a:p>
-            <a:r>
-              <a:rPr lang="pl-PL" sz="2400"/>
-              <a:t>Ovaj proces je jasan i čitljiv u PyTorch-u.</a:t>
-            </a:r>
-            <a:endParaRPr lang="en-GB" sz="2400"/>
-          </a:p>
-        </p:txBody>
-      </p:sp>
-    </p:spTree>
-    <p:extLst>
-      <p:ext uri="{BB962C8B-B14F-4D97-AF65-F5344CB8AC3E}">
-        <p14:creationId xmlns:p14="http://schemas.microsoft.com/office/powerpoint/2010/main" val="4236086827"/>
-      </p:ext>
-    </p:extLst>
-  </p:cSld>
-  <p:clrMapOvr>
-    <a:masterClrMapping/>
-  </p:clrMapOvr>
-</p:sld>
-</file>
-
-<file path=ppt/slides/slide19.xml><?xml version="1.0" encoding="utf-8"?>
-<p:sld xmlns:a="http://schemas.openxmlformats.org/drawingml/2006/main" xmlns:r="http://schemas.openxmlformats.org/officeDocument/2006/relationships" xmlns:p="http://schemas.openxmlformats.org/presentationml/2006/main">
-  <p:cSld>
-    <p:spTree>
-      <p:nvGrpSpPr>
-        <p:cNvPr id="1" name=""/>
-        <p:cNvGrpSpPr/>
-        <p:nvPr/>
-      </p:nvGrpSpPr>
-      <p:grpSpPr>
-        <a:xfrm>
-          <a:off x="0" y="0"/>
-          <a:ext cx="0" cy="0"/>
-          <a:chOff x="0" y="0"/>
-          <a:chExt cx="0" cy="0"/>
-        </a:xfrm>
-      </p:grpSpPr>
-      <p:sp>
-        <p:nvSpPr>
-          <p:cNvPr id="2" name="Title 1">
-            <a:extLst>
-              <a:ext uri="{FF2B5EF4-FFF2-40B4-BE49-F238E27FC236}">
-                <a16:creationId xmlns:a16="http://schemas.microsoft.com/office/drawing/2014/main" id="{4EA9815A-EEE8-B54B-4A69-65EEE9A489C7}"/>
-              </a:ext>
-            </a:extLst>
-          </p:cNvPr>
-          <p:cNvSpPr>
-            <a:spLocks noGrp="1"/>
-          </p:cNvSpPr>
-          <p:nvPr>
-            <p:ph type="title"/>
-          </p:nvPr>
-        </p:nvSpPr>
-        <p:spPr/>
-        <p:txBody>
-          <a:bodyPr/>
-          <a:lstStyle/>
-          <a:p>
-            <a:r>
-              <a:rPr lang="en-GB"/>
-              <a:t>Prednosti i ograničenja</a:t>
-            </a:r>
-          </a:p>
-        </p:txBody>
-      </p:sp>
-      <p:sp>
-        <p:nvSpPr>
-          <p:cNvPr id="3" name="Content Placeholder 2">
-            <a:extLst>
-              <a:ext uri="{FF2B5EF4-FFF2-40B4-BE49-F238E27FC236}">
-                <a16:creationId xmlns:a16="http://schemas.microsoft.com/office/drawing/2014/main" id="{587D8A7A-40B8-A358-781D-B36A77E7EAEA}"/>
-              </a:ext>
-            </a:extLst>
-          </p:cNvPr>
-          <p:cNvSpPr>
-            <a:spLocks noGrp="1"/>
-          </p:cNvSpPr>
-          <p:nvPr>
-            <p:ph idx="1"/>
-          </p:nvPr>
-        </p:nvSpPr>
-        <p:spPr/>
-        <p:txBody>
-          <a:bodyPr>
-            <a:normAutofit/>
-          </a:bodyPr>
-          <a:lstStyle/>
-          <a:p>
-            <a:r>
-              <a:rPr lang="en-GB" sz="2400"/>
-              <a:t>Prednosti:</a:t>
-            </a:r>
-          </a:p>
-          <a:p>
-            <a:pPr lvl="1"/>
-            <a:r>
-              <a:rPr lang="en-GB" sz="2400"/>
-              <a:t>Fleksibilnost</a:t>
-            </a:r>
-          </a:p>
-          <a:p>
-            <a:pPr lvl="1"/>
-            <a:r>
-              <a:rPr lang="sr-Latn-RS" sz="2400"/>
-              <a:t>Č</a:t>
-            </a:r>
-            <a:r>
-              <a:rPr lang="en-GB" sz="2400"/>
-              <a:t>itljiv kod</a:t>
-            </a:r>
-          </a:p>
-          <a:p>
-            <a:pPr lvl="1"/>
-            <a:r>
-              <a:rPr lang="sr-Latn-RS" sz="2400"/>
-              <a:t>J</a:t>
-            </a:r>
-            <a:r>
-              <a:rPr lang="en-GB" sz="2400"/>
-              <a:t>aka zajednica</a:t>
-            </a:r>
-          </a:p>
-          <a:p>
-            <a:r>
-              <a:rPr lang="en-GB" sz="2400"/>
-              <a:t>Ograničenja:</a:t>
-            </a:r>
-            <a:endParaRPr lang="sr-Latn-RS" sz="2400"/>
-          </a:p>
-          <a:p>
-            <a:pPr lvl="1"/>
-            <a:r>
-              <a:rPr lang="pl-PL" sz="2400"/>
-              <a:t>nešto slabija produkcijska podrška (ranije)</a:t>
-            </a:r>
-            <a:endParaRPr lang="sr-Latn-RS" sz="2400"/>
-          </a:p>
-          <a:p>
-            <a:pPr lvl="1"/>
-            <a:r>
-              <a:rPr lang="en-GB" sz="2400"/>
-              <a:t>veća potrošnja memorije u nekim slučajevima</a:t>
-            </a:r>
-          </a:p>
-        </p:txBody>
-      </p:sp>
-    </p:spTree>
-    <p:extLst>
-      <p:ext uri="{BB962C8B-B14F-4D97-AF65-F5344CB8AC3E}">
-        <p14:creationId xmlns:p14="http://schemas.microsoft.com/office/powerpoint/2010/main" val="3759438774"/>
+        <p14:creationId xmlns:p14="http://schemas.microsoft.com/office/powerpoint/2010/main" val="1505807320"/>
       </p:ext>
     </p:extLst>
   </p:cSld>
@@ -5211,194 +4381,6 @@
     <p:extLst>
       <p:ext uri="{BB962C8B-B14F-4D97-AF65-F5344CB8AC3E}">
         <p14:creationId xmlns:p14="http://schemas.microsoft.com/office/powerpoint/2010/main" val="3454293404"/>
-      </p:ext>
-    </p:extLst>
-  </p:cSld>
-  <p:clrMapOvr>
-    <a:masterClrMapping/>
-  </p:clrMapOvr>
-</p:sld>
-</file>
-
-<file path=ppt/slides/slide20.xml><?xml version="1.0" encoding="utf-8"?>
-<p:sld xmlns:a="http://schemas.openxmlformats.org/drawingml/2006/main" xmlns:r="http://schemas.openxmlformats.org/officeDocument/2006/relationships" xmlns:p="http://schemas.openxmlformats.org/presentationml/2006/main">
-  <p:cSld>
-    <p:spTree>
-      <p:nvGrpSpPr>
-        <p:cNvPr id="1" name=""/>
-        <p:cNvGrpSpPr/>
-        <p:nvPr/>
-      </p:nvGrpSpPr>
-      <p:grpSpPr>
-        <a:xfrm>
-          <a:off x="0" y="0"/>
-          <a:ext cx="0" cy="0"/>
-          <a:chOff x="0" y="0"/>
-          <a:chExt cx="0" cy="0"/>
-        </a:xfrm>
-      </p:grpSpPr>
-      <p:sp>
-        <p:nvSpPr>
-          <p:cNvPr id="2" name="Title 1">
-            <a:extLst>
-              <a:ext uri="{FF2B5EF4-FFF2-40B4-BE49-F238E27FC236}">
-                <a16:creationId xmlns:a16="http://schemas.microsoft.com/office/drawing/2014/main" id="{DA7C6D56-A459-9DD6-C24F-2C9E1FA2F86E}"/>
-              </a:ext>
-            </a:extLst>
-          </p:cNvPr>
-          <p:cNvSpPr>
-            <a:spLocks noGrp="1"/>
-          </p:cNvSpPr>
-          <p:nvPr>
-            <p:ph type="title"/>
-          </p:nvPr>
-        </p:nvSpPr>
-        <p:spPr/>
-        <p:txBody>
-          <a:bodyPr/>
-          <a:lstStyle/>
-          <a:p>
-            <a:r>
-              <a:rPr lang="en-GB"/>
-              <a:t>Zaključak</a:t>
-            </a:r>
-          </a:p>
-        </p:txBody>
-      </p:sp>
-      <p:sp>
-        <p:nvSpPr>
-          <p:cNvPr id="3" name="Content Placeholder 2">
-            <a:extLst>
-              <a:ext uri="{FF2B5EF4-FFF2-40B4-BE49-F238E27FC236}">
-                <a16:creationId xmlns:a16="http://schemas.microsoft.com/office/drawing/2014/main" id="{F12CAFF4-F9DE-D853-B8FF-B8252CEC2941}"/>
-              </a:ext>
-            </a:extLst>
-          </p:cNvPr>
-          <p:cNvSpPr>
-            <a:spLocks noGrp="1"/>
-          </p:cNvSpPr>
-          <p:nvPr>
-            <p:ph idx="1"/>
-          </p:nvPr>
-        </p:nvSpPr>
-        <p:spPr/>
-        <p:txBody>
-          <a:bodyPr>
-            <a:normAutofit/>
-          </a:bodyPr>
-          <a:lstStyle/>
-          <a:p>
-            <a:r>
-              <a:rPr lang="pl-PL" sz="2400"/>
-              <a:t>PyTorch je moćna i fleksibilna biblioteka za AI i Deep Learning.</a:t>
-            </a:r>
-          </a:p>
-          <a:p>
-            <a:r>
-              <a:rPr lang="pl-PL" sz="2400"/>
-              <a:t>Posebno je pogodna za:</a:t>
-            </a:r>
-          </a:p>
-          <a:p>
-            <a:pPr lvl="1"/>
-            <a:r>
-              <a:rPr lang="en-GB" sz="2400"/>
-              <a:t>Istraživanje</a:t>
-            </a:r>
-            <a:endParaRPr lang="pl-PL" sz="2400"/>
-          </a:p>
-          <a:p>
-            <a:pPr lvl="1"/>
-            <a:r>
-              <a:rPr lang="en-GB" sz="2400"/>
-              <a:t>Učenje</a:t>
-            </a:r>
-            <a:endParaRPr lang="pl-PL" sz="2400"/>
-          </a:p>
-          <a:p>
-            <a:pPr lvl="1"/>
-            <a:r>
-              <a:rPr lang="sr-Latn-RS" sz="2400"/>
-              <a:t>B</a:t>
-            </a:r>
-            <a:r>
-              <a:rPr lang="en-GB" sz="2400"/>
-              <a:t>rzu izradu prototipa</a:t>
-            </a:r>
-            <a:endParaRPr lang="pl-PL" sz="2400"/>
-          </a:p>
-          <a:p>
-            <a:r>
-              <a:rPr lang="en-GB" sz="2400"/>
-              <a:t>Zbog svoje jednostavnosti i ekosistema, PyTorch je danas jedan od standarda u oblasti veštačke inteligencije.</a:t>
-            </a:r>
-          </a:p>
-        </p:txBody>
-      </p:sp>
-    </p:spTree>
-    <p:extLst>
-      <p:ext uri="{BB962C8B-B14F-4D97-AF65-F5344CB8AC3E}">
-        <p14:creationId xmlns:p14="http://schemas.microsoft.com/office/powerpoint/2010/main" val="549290673"/>
-      </p:ext>
-    </p:extLst>
-  </p:cSld>
-  <p:clrMapOvr>
-    <a:masterClrMapping/>
-  </p:clrMapOvr>
-</p:sld>
-</file>
-
-<file path=ppt/slides/slide21.xml><?xml version="1.0" encoding="utf-8"?>
-<p:sld xmlns:a="http://schemas.openxmlformats.org/drawingml/2006/main" xmlns:r="http://schemas.openxmlformats.org/officeDocument/2006/relationships" xmlns:p="http://schemas.openxmlformats.org/presentationml/2006/main">
-  <p:cSld>
-    <p:spTree>
-      <p:nvGrpSpPr>
-        <p:cNvPr id="1" name=""/>
-        <p:cNvGrpSpPr/>
-        <p:nvPr/>
-      </p:nvGrpSpPr>
-      <p:grpSpPr>
-        <a:xfrm>
-          <a:off x="0" y="0"/>
-          <a:ext cx="0" cy="0"/>
-          <a:chOff x="0" y="0"/>
-          <a:chExt cx="0" cy="0"/>
-        </a:xfrm>
-      </p:grpSpPr>
-      <p:sp>
-        <p:nvSpPr>
-          <p:cNvPr id="2" name="Title 1">
-            <a:extLst>
-              <a:ext uri="{FF2B5EF4-FFF2-40B4-BE49-F238E27FC236}">
-                <a16:creationId xmlns:a16="http://schemas.microsoft.com/office/drawing/2014/main" id="{A9538091-97C3-2BE3-A213-3AE0857169BD}"/>
-              </a:ext>
-            </a:extLst>
-          </p:cNvPr>
-          <p:cNvSpPr>
-            <a:spLocks noGrp="1"/>
-          </p:cNvSpPr>
-          <p:nvPr>
-            <p:ph type="ctrTitle"/>
-          </p:nvPr>
-        </p:nvSpPr>
-        <p:spPr/>
-        <p:txBody>
-          <a:bodyPr anchor="ctr"/>
-          <a:lstStyle/>
-          <a:p>
-            <a:pPr algn="ctr"/>
-            <a:r>
-              <a:rPr lang="sr-Latn-RS"/>
-              <a:t>Hvala na pažnji!</a:t>
-            </a:r>
-            <a:endParaRPr lang="en-GB"/>
-          </a:p>
-        </p:txBody>
-      </p:sp>
-    </p:spTree>
-    <p:extLst>
-      <p:ext uri="{BB962C8B-B14F-4D97-AF65-F5344CB8AC3E}">
-        <p14:creationId xmlns:p14="http://schemas.microsoft.com/office/powerpoint/2010/main" val="1505807320"/>
       </p:ext>
     </p:extLst>
   </p:cSld>
@@ -5671,7 +4653,7 @@
           <p:cNvPr id="2" name="Title 1">
             <a:extLst>
               <a:ext uri="{FF2B5EF4-FFF2-40B4-BE49-F238E27FC236}">
-                <a16:creationId xmlns:a16="http://schemas.microsoft.com/office/drawing/2014/main" id="{8DCA0633-AEA7-2952-D5E4-2CC3F220C057}"/>
+                <a16:creationId xmlns:a16="http://schemas.microsoft.com/office/drawing/2014/main" id="{94FF7CAD-8B4C-1285-8CC2-3570580BAAB4}"/>
               </a:ext>
             </a:extLst>
           </p:cNvPr>
@@ -5689,7 +4671,7 @@
           <a:p>
             <a:r>
               <a:rPr lang="en-GB"/>
-              <a:t>Prelazak iz Facebook-a u Meta</a:t>
+              <a:t>Zašto je PyTorch popularan</a:t>
             </a:r>
           </a:p>
         </p:txBody>
@@ -5699,7 +4681,7 @@
           <p:cNvPr id="3" name="Content Placeholder 2">
             <a:extLst>
               <a:ext uri="{FF2B5EF4-FFF2-40B4-BE49-F238E27FC236}">
-                <a16:creationId xmlns:a16="http://schemas.microsoft.com/office/drawing/2014/main" id="{C787C638-5F71-23A7-7EA5-6E2D5A4F0AA7}"/>
+                <a16:creationId xmlns:a16="http://schemas.microsoft.com/office/drawing/2014/main" id="{BD78F25E-C058-2DA6-51EF-6F9F06158662}"/>
               </a:ext>
             </a:extLst>
           </p:cNvPr>
@@ -5719,27 +4701,31 @@
           <a:p>
             <a:r>
               <a:rPr lang="en-GB" sz="2400"/>
-              <a:t>Facebook je 2021. godine promenio ime u </a:t>
-            </a:r>
-            <a:r>
-              <a:rPr lang="en-GB" sz="2400" b="1"/>
-              <a:t>Meta</a:t>
-            </a:r>
+              <a:t>Jednostavan Python sintaks</a:t>
+            </a:r>
+          </a:p>
+          <a:p>
             <a:r>
               <a:rPr lang="en-GB" sz="2400"/>
-              <a:t>.</a:t>
+              <a:t>Dinamički računarski graf</a:t>
             </a:r>
           </a:p>
           <a:p>
             <a:r>
               <a:rPr lang="en-GB" sz="2400"/>
-              <a:t>PyTorch je i dalje aktivno razvijan pod Meta AI odeljenjem.</a:t>
+              <a:t>Laka debagovanja grešaka</a:t>
             </a:r>
           </a:p>
           <a:p>
             <a:r>
               <a:rPr lang="en-GB" sz="2400"/>
-              <a:t>Danas PyTorch ima snažnu open-source zajednicu i industrijsku podršku.</a:t>
+              <a:t>Velika zajednica i dokumentacija</a:t>
+            </a:r>
+          </a:p>
+          <a:p>
+            <a:r>
+              <a:rPr lang="en-GB" sz="2400"/>
+              <a:t>Široka primena u istraživanju</a:t>
             </a:r>
           </a:p>
         </p:txBody>
@@ -5747,7 +4733,7 @@
     </p:spTree>
     <p:extLst>
       <p:ext uri="{BB962C8B-B14F-4D97-AF65-F5344CB8AC3E}">
-        <p14:creationId xmlns:p14="http://schemas.microsoft.com/office/powerpoint/2010/main" val="2198624099"/>
+        <p14:creationId xmlns:p14="http://schemas.microsoft.com/office/powerpoint/2010/main" val="518473482"/>
       </p:ext>
     </p:extLst>
   </p:cSld>
@@ -5779,7 +4765,7 @@
           <p:cNvPr id="2" name="Title 1">
             <a:extLst>
               <a:ext uri="{FF2B5EF4-FFF2-40B4-BE49-F238E27FC236}">
-                <a16:creationId xmlns:a16="http://schemas.microsoft.com/office/drawing/2014/main" id="{94FF7CAD-8B4C-1285-8CC2-3570580BAAB4}"/>
+                <a16:creationId xmlns:a16="http://schemas.microsoft.com/office/drawing/2014/main" id="{E0364943-34C1-C6F6-46D9-0256C5BB8771}"/>
               </a:ext>
             </a:extLst>
           </p:cNvPr>
@@ -5797,7 +4783,7 @@
           <a:p>
             <a:r>
               <a:rPr lang="en-GB"/>
-              <a:t>Zašto je PyTorch popularan</a:t>
+              <a:t>Osnovni koncepti u PyTorch-u</a:t>
             </a:r>
           </a:p>
         </p:txBody>
@@ -5807,7 +4793,7 @@
           <p:cNvPr id="3" name="Content Placeholder 2">
             <a:extLst>
               <a:ext uri="{FF2B5EF4-FFF2-40B4-BE49-F238E27FC236}">
-                <a16:creationId xmlns:a16="http://schemas.microsoft.com/office/drawing/2014/main" id="{BD78F25E-C058-2DA6-51EF-6F9F06158662}"/>
+                <a16:creationId xmlns:a16="http://schemas.microsoft.com/office/drawing/2014/main" id="{F9F34B29-D8D9-3BE4-0810-94F4A491BADC}"/>
               </a:ext>
             </a:extLst>
           </p:cNvPr>
@@ -5827,39 +4813,34 @@
           <a:p>
             <a:r>
               <a:rPr lang="en-GB" sz="2400"/>
-              <a:t>Jednostavan Python sintaks</a:t>
+              <a:t>Tensor (osnovna struktura podataka)</a:t>
             </a:r>
           </a:p>
           <a:p>
             <a:r>
               <a:rPr lang="en-GB" sz="2400"/>
-              <a:t>Dinamički računarski graf</a:t>
+              <a:t>Autograd (automatsko računanje gradijenata)</a:t>
             </a:r>
           </a:p>
           <a:p>
             <a:r>
               <a:rPr lang="en-GB" sz="2400"/>
-              <a:t>Laka debagovanja grešaka</a:t>
+              <a:t>Neural Networks (torch.nn)</a:t>
             </a:r>
           </a:p>
           <a:p>
             <a:r>
               <a:rPr lang="en-GB" sz="2400"/>
-              <a:t>Velika zajednica i dokumentacija</a:t>
-            </a:r>
-          </a:p>
-          <a:p>
-            <a:r>
-              <a:rPr lang="en-GB" sz="2400"/>
-              <a:t>Široka primena u istraživanju</a:t>
-            </a:r>
+              <a:t>Optimizeri (SGD, Adam, RMSprop)</a:t>
+            </a:r>
+            <a:endParaRPr lang="en-GB" sz="2400" b="1"/>
           </a:p>
         </p:txBody>
       </p:sp>
     </p:spTree>
     <p:extLst>
       <p:ext uri="{BB962C8B-B14F-4D97-AF65-F5344CB8AC3E}">
-        <p14:creationId xmlns:p14="http://schemas.microsoft.com/office/powerpoint/2010/main" val="518473482"/>
+        <p14:creationId xmlns:p14="http://schemas.microsoft.com/office/powerpoint/2010/main" val="348730817"/>
       </p:ext>
     </p:extLst>
   </p:cSld>
@@ -5891,7 +4872,7 @@
           <p:cNvPr id="2" name="Title 1">
             <a:extLst>
               <a:ext uri="{FF2B5EF4-FFF2-40B4-BE49-F238E27FC236}">
-                <a16:creationId xmlns:a16="http://schemas.microsoft.com/office/drawing/2014/main" id="{E0364943-34C1-C6F6-46D9-0256C5BB8771}"/>
+                <a16:creationId xmlns:a16="http://schemas.microsoft.com/office/drawing/2014/main" id="{C597645B-B86B-882D-5225-61E38303E5BE}"/>
               </a:ext>
             </a:extLst>
           </p:cNvPr>
@@ -5909,7 +4890,7 @@
           <a:p>
             <a:r>
               <a:rPr lang="en-GB"/>
-              <a:t>Osnovni koncepti u PyTorch-u</a:t>
+              <a:t>Tensor</a:t>
             </a:r>
           </a:p>
         </p:txBody>
@@ -5919,7 +4900,7 @@
           <p:cNvPr id="3" name="Content Placeholder 2">
             <a:extLst>
               <a:ext uri="{FF2B5EF4-FFF2-40B4-BE49-F238E27FC236}">
-                <a16:creationId xmlns:a16="http://schemas.microsoft.com/office/drawing/2014/main" id="{F9F34B29-D8D9-3BE4-0810-94F4A491BADC}"/>
+                <a16:creationId xmlns:a16="http://schemas.microsoft.com/office/drawing/2014/main" id="{BF20BE1E-E56F-1792-BBBA-1588E08CC31F}"/>
               </a:ext>
             </a:extLst>
           </p:cNvPr>
@@ -5933,40 +4914,73 @@
         <p:spPr/>
         <p:txBody>
           <a:bodyPr>
-            <a:normAutofit/>
+            <a:noAutofit/>
           </a:bodyPr>
           <a:lstStyle/>
           <a:p>
             <a:r>
               <a:rPr lang="en-GB" sz="2400"/>
-              <a:t>Tensor (osnovna struktura podataka)</a:t>
+              <a:t>Tensor je višedimenzionalni niz podataka.</a:t>
             </a:r>
           </a:p>
           <a:p>
             <a:r>
               <a:rPr lang="en-GB" sz="2400"/>
-              <a:t>Autograd (automatsko računanje gradijenata)</a:t>
-            </a:r>
-          </a:p>
-          <a:p>
+              <a:t>Može biti:</a:t>
+            </a:r>
+          </a:p>
+          <a:p>
+            <a:pPr lvl="1"/>
             <a:r>
               <a:rPr lang="en-GB" sz="2400"/>
-              <a:t>Neural Networks (torch.nn)</a:t>
-            </a:r>
-          </a:p>
-          <a:p>
+              <a:t>skalar</a:t>
+            </a:r>
+          </a:p>
+          <a:p>
+            <a:pPr lvl="1"/>
             <a:r>
               <a:rPr lang="en-GB" sz="2400"/>
-              <a:t>Optimizeri (SGD, Adam, RMSprop)</a:t>
-            </a:r>
-            <a:endParaRPr lang="en-GB" sz="2400" b="1"/>
+              <a:t>Vektor</a:t>
+            </a:r>
+          </a:p>
+          <a:p>
+            <a:pPr lvl="1"/>
+            <a:r>
+              <a:rPr lang="en-GB" sz="2400"/>
+              <a:t>Matrica</a:t>
+            </a:r>
+          </a:p>
+          <a:p>
+            <a:pPr lvl="1"/>
+            <a:r>
+              <a:rPr lang="en-GB" sz="2400"/>
+              <a:t>višedimenzionalni niz</a:t>
+            </a:r>
+          </a:p>
+          <a:p>
+            <a:r>
+              <a:rPr lang="en-GB" sz="2400"/>
+              <a:t>PyTorch tensor je sličan NumPy nizu, ali podržava GPU ubrzanje.</a:t>
+            </a:r>
+          </a:p>
+          <a:p>
+            <a:pPr marL="274320" lvl="1" indent="0">
+              <a:buNone/>
+            </a:pPr>
+            <a:endParaRPr lang="en-GB" sz="2400"/>
+          </a:p>
+          <a:p>
+            <a:pPr marL="274320" lvl="1" indent="0">
+              <a:buNone/>
+            </a:pPr>
+            <a:endParaRPr lang="en-GB" sz="2400"/>
           </a:p>
         </p:txBody>
       </p:sp>
     </p:spTree>
     <p:extLst>
       <p:ext uri="{BB962C8B-B14F-4D97-AF65-F5344CB8AC3E}">
-        <p14:creationId xmlns:p14="http://schemas.microsoft.com/office/powerpoint/2010/main" val="348730817"/>
+        <p14:creationId xmlns:p14="http://schemas.microsoft.com/office/powerpoint/2010/main" val="3208852373"/>
       </p:ext>
     </p:extLst>
   </p:cSld>
@@ -5998,7 +5012,7 @@
           <p:cNvPr id="2" name="Title 1">
             <a:extLst>
               <a:ext uri="{FF2B5EF4-FFF2-40B4-BE49-F238E27FC236}">
-                <a16:creationId xmlns:a16="http://schemas.microsoft.com/office/drawing/2014/main" id="{C597645B-B86B-882D-5225-61E38303E5BE}"/>
+                <a16:creationId xmlns:a16="http://schemas.microsoft.com/office/drawing/2014/main" id="{3628040C-656E-08CF-40FC-7923FEDCA9B4}"/>
               </a:ext>
             </a:extLst>
           </p:cNvPr>
@@ -6016,7 +5030,7 @@
           <a:p>
             <a:r>
               <a:rPr lang="en-GB"/>
-              <a:t>Tensor</a:t>
+              <a:t>Dinamički računarski graf</a:t>
             </a:r>
           </a:p>
         </p:txBody>
@@ -6026,7 +5040,7 @@
           <p:cNvPr id="3" name="Content Placeholder 2">
             <a:extLst>
               <a:ext uri="{FF2B5EF4-FFF2-40B4-BE49-F238E27FC236}">
-                <a16:creationId xmlns:a16="http://schemas.microsoft.com/office/drawing/2014/main" id="{BF20BE1E-E56F-1792-BBBA-1588E08CC31F}"/>
+                <a16:creationId xmlns:a16="http://schemas.microsoft.com/office/drawing/2014/main" id="{1C6F8A82-5F0A-31E4-0886-E3D3CE93AD65}"/>
               </a:ext>
             </a:extLst>
           </p:cNvPr>
@@ -6040,73 +5054,62 @@
         <p:spPr/>
         <p:txBody>
           <a:bodyPr>
-            <a:noAutofit/>
+            <a:normAutofit/>
           </a:bodyPr>
           <a:lstStyle/>
           <a:p>
             <a:r>
               <a:rPr lang="en-GB" sz="2400"/>
-              <a:t>Tensor je višedimenzionalni niz podataka.</a:t>
-            </a:r>
-          </a:p>
-          <a:p>
+              <a:t>PyTorch koristi </a:t>
+            </a:r>
+            <a:r>
+              <a:rPr lang="en-GB" sz="2400" b="1"/>
+              <a:t>dinamički graf</a:t>
+            </a:r>
             <a:r>
               <a:rPr lang="en-GB" sz="2400"/>
-              <a:t>Može biti:</a:t>
+              <a:t> (define-by-run).</a:t>
+            </a:r>
+          </a:p>
+          <a:p>
+            <a:r>
+              <a:rPr lang="en-GB" sz="2400"/>
+              <a:t>Graf se kreira tokom izvršavanja programa.</a:t>
+            </a:r>
+          </a:p>
+          <a:p>
+            <a:r>
+              <a:rPr lang="en-GB" sz="2400"/>
+              <a:t>To omogućava:</a:t>
             </a:r>
           </a:p>
           <a:p>
             <a:pPr lvl="1"/>
             <a:r>
               <a:rPr lang="en-GB" sz="2400"/>
-              <a:t>skalar</a:t>
+              <a:t>lakše eksperimentisanje</a:t>
             </a:r>
           </a:p>
           <a:p>
             <a:pPr lvl="1"/>
             <a:r>
               <a:rPr lang="en-GB" sz="2400"/>
-              <a:t>Vektor</a:t>
+              <a:t>fleksibilne modele</a:t>
             </a:r>
           </a:p>
           <a:p>
             <a:pPr lvl="1"/>
             <a:r>
               <a:rPr lang="en-GB" sz="2400"/>
-              <a:t>Matrica</a:t>
-            </a:r>
-          </a:p>
-          <a:p>
-            <a:pPr lvl="1"/>
-            <a:r>
-              <a:rPr lang="en-GB" sz="2400"/>
-              <a:t>višedimenzionalni niz</a:t>
-            </a:r>
-          </a:p>
-          <a:p>
-            <a:r>
-              <a:rPr lang="en-GB" sz="2400"/>
-              <a:t>PyTorch tensor je sličan NumPy nizu, ali podržava GPU ubrzanje.</a:t>
-            </a:r>
-          </a:p>
-          <a:p>
-            <a:pPr marL="274320" lvl="1" indent="0">
-              <a:buNone/>
-            </a:pPr>
-            <a:endParaRPr lang="en-GB" sz="2400"/>
-          </a:p>
-          <a:p>
-            <a:pPr marL="274320" lvl="1" indent="0">
-              <a:buNone/>
-            </a:pPr>
-            <a:endParaRPr lang="en-GB" sz="2400"/>
+              <a:t>jednostavno debagovanje</a:t>
+            </a:r>
           </a:p>
         </p:txBody>
       </p:sp>
     </p:spTree>
     <p:extLst>
       <p:ext uri="{BB962C8B-B14F-4D97-AF65-F5344CB8AC3E}">
-        <p14:creationId xmlns:p14="http://schemas.microsoft.com/office/powerpoint/2010/main" val="3208852373"/>
+        <p14:creationId xmlns:p14="http://schemas.microsoft.com/office/powerpoint/2010/main" val="230032610"/>
       </p:ext>
     </p:extLst>
   </p:cSld>
@@ -6121,7 +5124,13 @@
   <p:cSld>
     <p:spTree>
       <p:nvGrpSpPr>
-        <p:cNvPr id="1" name=""/>
+        <p:cNvPr id="1" name="">
+          <a:extLst>
+            <a:ext uri="{FF2B5EF4-FFF2-40B4-BE49-F238E27FC236}">
+              <a16:creationId xmlns:a16="http://schemas.microsoft.com/office/drawing/2014/main" id="{D3B535B3-8D25-3265-E6A5-4954171DAAAA}"/>
+            </a:ext>
+          </a:extLst>
+        </p:cNvPr>
         <p:cNvGrpSpPr/>
         <p:nvPr/>
       </p:nvGrpSpPr>
@@ -6138,7 +5147,7 @@
           <p:cNvPr id="2" name="Title 1">
             <a:extLst>
               <a:ext uri="{FF2B5EF4-FFF2-40B4-BE49-F238E27FC236}">
-                <a16:creationId xmlns:a16="http://schemas.microsoft.com/office/drawing/2014/main" id="{35C2EDED-5C40-2AD3-6CA2-AD78DD6CDB46}"/>
+                <a16:creationId xmlns:a16="http://schemas.microsoft.com/office/drawing/2014/main" id="{F5887DB6-CD32-406F-7DD1-BC7EB31BF296}"/>
               </a:ext>
             </a:extLst>
           </p:cNvPr>
@@ -6166,7 +5175,7 @@
           <p:cNvPr id="3" name="Content Placeholder 2">
             <a:extLst>
               <a:ext uri="{FF2B5EF4-FFF2-40B4-BE49-F238E27FC236}">
-                <a16:creationId xmlns:a16="http://schemas.microsoft.com/office/drawing/2014/main" id="{AF49A75D-1680-258D-28C9-0BA32BA36797}"/>
+                <a16:creationId xmlns:a16="http://schemas.microsoft.com/office/drawing/2014/main" id="{9314DED6-3EB1-761D-77E4-354EC3DC21C0}"/>
               </a:ext>
             </a:extLst>
           </p:cNvPr>
@@ -6233,7 +5242,7 @@
     </p:spTree>
     <p:extLst>
       <p:ext uri="{BB962C8B-B14F-4D97-AF65-F5344CB8AC3E}">
-        <p14:creationId xmlns:p14="http://schemas.microsoft.com/office/powerpoint/2010/main" val="1249922722"/>
+        <p14:creationId xmlns:p14="http://schemas.microsoft.com/office/powerpoint/2010/main" val="1058968578"/>
       </p:ext>
     </p:extLst>
   </p:cSld>
